--- a/training-cards/agile moves/Vision (VIS)/ger/apprentice/ger_VIS_05_wie_satt_gehe_ich_ins_bett_AM_A.pptx
+++ b/training-cards/agile moves/Vision (VIS)/ger/apprentice/ger_VIS_05_wie_satt_gehe_ich_ins_bett_AM_A.pptx
@@ -548,12 +548,168 @@
         </p:blipFill>
         <p:spPr>
           <a:xfrm>
-            <a:off x="5647590" y="3470352"/>
+            <a:off x="6086166" y="3470352"/>
             <a:ext cx="939800" cy="914400"/>
           </a:xfrm>
           <a:prstGeom prst="rect">
             <a:avLst/>
           </a:prstGeom>
+        </p:spPr>
+      </p:pic>
+      <p:sp>
+        <p:nvSpPr>
+          <p:cNvPr id="5" name="Textfeld 4"/>
+          <p:cNvSpPr txBox="1"/>
+          <p:nvPr userDrawn="1"/>
+        </p:nvSpPr>
+        <p:spPr>
+          <a:xfrm>
+            <a:off x="239285" y="4936890"/>
+            <a:ext cx="1044856" cy="276999"/>
+          </a:xfrm>
+          <a:prstGeom prst="rect">
+            <a:avLst/>
+          </a:prstGeom>
+          <a:noFill/>
+        </p:spPr>
+        <p:txBody>
+          <a:bodyPr wrap="square" rtlCol="0">
+            <a:spAutoFit/>
+          </a:bodyPr>
+          <a:lstStyle/>
+          <a:p>
+            <a:r>
+              <a:rPr lang="de-DE" sz="600" dirty="0">
+                <a:solidFill>
+                  <a:srgbClr val="5D5E5F"/>
+                </a:solidFill>
+                <a:latin typeface="Avenir Light"/>
+                <a:cs typeface="Avenir Light"/>
+              </a:rPr>
+              <a:t>Letzte Änderung: </a:t>
+            </a:r>
+            <a:fld id="{7A8C7DAC-E536-564C-B5B3-90E8FAB50562}" type="datetime1">
+              <a:rPr lang="de-DE" sz="600" smtClean="0">
+                <a:solidFill>
+                  <a:srgbClr val="5D5E5F"/>
+                </a:solidFill>
+                <a:latin typeface="Avenir Light"/>
+                <a:cs typeface="Avenir Light"/>
+              </a:rPr>
+              <a:t>23.11.15</a:t>
+            </a:fld>
+            <a:endParaRPr lang="de-DE" sz="600" dirty="0">
+              <a:solidFill>
+                <a:srgbClr val="5D5E5F"/>
+              </a:solidFill>
+              <a:latin typeface="Avenir Light"/>
+              <a:cs typeface="Avenir Light"/>
+            </a:endParaRPr>
+          </a:p>
+        </p:txBody>
+      </p:sp>
+      <p:sp>
+        <p:nvSpPr>
+          <p:cNvPr id="6" name="Shape 7"/>
+          <p:cNvSpPr/>
+          <p:nvPr userDrawn="1"/>
+        </p:nvSpPr>
+        <p:spPr>
+          <a:xfrm>
+            <a:off x="1683417" y="4952581"/>
+            <a:ext cx="4196016" cy="276995"/>
+          </a:xfrm>
+          <a:prstGeom prst="rect">
+            <a:avLst/>
+          </a:prstGeom>
+          <a:ln w="12700">
+            <a:miter lim="400000"/>
+          </a:ln>
+          <a:extLst>
+            <a:ext uri="{C572A759-6A51-4108-AA02-DFA0A04FC94B}">
+              <ma14:wrappingTextBoxFlag xmlns:ma14="http://schemas.microsoft.com/office/mac/drawingml/2011/main" val="1"/>
+            </a:ext>
+          </a:extLst>
+        </p:spPr>
+        <p:txBody>
+          <a:bodyPr wrap="none" lIns="45718" tIns="45718" rIns="45718" bIns="45718">
+            <a:spAutoFit/>
+          </a:bodyPr>
+          <a:lstStyle/>
+          <a:p>
+            <a:pPr lvl="0" algn="ctr">
+              <a:defRPr sz="1800"/>
+            </a:pPr>
+            <a:r>
+              <a:rPr sz="600" dirty="0">
+                <a:latin typeface="Avenir Light"/>
+                <a:ea typeface="Calibri"/>
+                <a:cs typeface="Avenir Light"/>
+                <a:sym typeface="Calibri"/>
+              </a:rPr>
+              <a:t>This work is licensed under the Creative Commons Attribution-NonCommercial-NoDerivatives 4.0 International License. </a:t>
+            </a:r>
+          </a:p>
+          <a:p>
+            <a:pPr lvl="0" algn="ctr">
+              <a:defRPr sz="1800"/>
+            </a:pPr>
+            <a:r>
+              <a:rPr sz="600" dirty="0">
+                <a:latin typeface="Avenir Light"/>
+                <a:ea typeface="Calibri"/>
+                <a:cs typeface="Avenir Light"/>
+                <a:sym typeface="Calibri"/>
+              </a:rPr>
+              <a:t>To view a copy of this license, visit </a:t>
+            </a:r>
+            <a:r>
+              <a:rPr sz="600" dirty="0">
+                <a:latin typeface="Avenir Light"/>
+                <a:ea typeface="Calibri"/>
+                <a:cs typeface="Avenir Light"/>
+                <a:sym typeface="Calibri"/>
+                <a:hlinkClick r:id="rId3"/>
+              </a:rPr>
+              <a:t>http://creativecommons.org/licenses/by-nc-nd/4.0/</a:t>
+            </a:r>
+            <a:r>
+              <a:rPr sz="600" dirty="0">
+                <a:latin typeface="Avenir Light"/>
+                <a:ea typeface="Calibri"/>
+                <a:cs typeface="Avenir Light"/>
+                <a:sym typeface="Calibri"/>
+              </a:rPr>
+              <a:t>.</a:t>
+            </a:r>
+          </a:p>
+        </p:txBody>
+      </p:sp>
+      <p:pic>
+        <p:nvPicPr>
+          <p:cNvPr id="7" name="pasted-image.tif"/>
+          <p:cNvPicPr/>
+          <p:nvPr userDrawn="1"/>
+        </p:nvPicPr>
+        <p:blipFill>
+          <a:blip r:embed="rId4">
+            <a:extLst/>
+          </a:blip>
+          <a:stretch>
+            <a:fillRect/>
+          </a:stretch>
+        </p:blipFill>
+        <p:spPr>
+          <a:xfrm>
+            <a:off x="6174185" y="4992838"/>
+            <a:ext cx="886619" cy="214128"/>
+          </a:xfrm>
+          <a:prstGeom prst="rect">
+            <a:avLst/>
+          </a:prstGeom>
+          <a:ln w="12700">
+            <a:miter lim="400000"/>
+          </a:ln>
         </p:spPr>
       </p:pic>
     </p:spTree>
@@ -755,7 +911,7 @@
           <a:p>
             <a:fld id="{FF5B2BAF-DF38-0A48-A798-0C06E514FD52}" type="datetimeFigureOut">
               <a:rPr lang="de-DE" smtClean="0"/>
-              <a:t>20.07.15</a:t>
+              <a:t>23.11.15</a:t>
             </a:fld>
             <a:endParaRPr lang="de-DE" dirty="0"/>
           </a:p>
@@ -978,7 +1134,7 @@
           <a:p>
             <a:fld id="{FF5B2BAF-DF38-0A48-A798-0C06E514FD52}" type="datetimeFigureOut">
               <a:rPr lang="de-DE" smtClean="0"/>
-              <a:t>20.07.15</a:t>
+              <a:t>23.11.15</a:t>
             </a:fld>
             <a:endParaRPr lang="de-DE" dirty="0"/>
           </a:p>
@@ -1209,8 +1365,35 @@
                 <a:latin typeface="Avenir Heavy"/>
                 <a:cs typeface="Avenir Heavy"/>
               </a:rPr>
-              <a:t>VIS-05</a:t>
-            </a:r>
+              <a:t>VIS</a:t>
+            </a:r>
+            <a:r>
+              <a:rPr lang="de-DE" sz="1050" b="1" baseline="0" dirty="0" smtClean="0">
+                <a:solidFill>
+                  <a:schemeClr val="bg1"/>
+                </a:solidFill>
+                <a:latin typeface="Avenir Heavy"/>
+                <a:cs typeface="Avenir Heavy"/>
+              </a:rPr>
+              <a:t> </a:t>
+            </a:r>
+            <a:r>
+              <a:rPr lang="de-DE" sz="1050" b="1" dirty="0" smtClean="0">
+                <a:solidFill>
+                  <a:schemeClr val="bg1"/>
+                </a:solidFill>
+                <a:latin typeface="Avenir Heavy"/>
+                <a:cs typeface="Avenir Heavy"/>
+              </a:rPr>
+              <a:t>05</a:t>
+            </a:r>
+            <a:endParaRPr lang="de-DE" sz="1050" b="1" dirty="0" smtClean="0">
+              <a:solidFill>
+                <a:schemeClr val="bg1"/>
+              </a:solidFill>
+              <a:latin typeface="Avenir Heavy"/>
+              <a:cs typeface="Avenir Heavy"/>
+            </a:endParaRPr>
           </a:p>
           <a:p>
             <a:endParaRPr lang="de-DE" sz="1050" b="1" dirty="0">
